--- a/5 семестр/Моделирование бизнес-процессов/Практическая работа №21/Презентация.pptx
+++ b/5 семестр/Моделирование бизнес-процессов/Практическая работа №21/Презентация.pptx
@@ -46,7 +46,7 @@
         <p:spPr>
           <a:xfrm>
             <a:off x="504000" y="561600"/>
-            <a:ext cx="9070920" cy="274680"/>
+            <a:ext cx="9070200" cy="274680"/>
           </a:xfrm>
           <a:prstGeom prst="rect">
             <a:avLst/>
@@ -105,7 +105,7 @@
         <p:spPr>
           <a:xfrm>
             <a:off x="3447360" y="5165280"/>
-            <a:ext cx="3194280" cy="389880"/>
+            <a:ext cx="3193560" cy="389160"/>
           </a:xfrm>
           <a:prstGeom prst="rect">
             <a:avLst/>
@@ -183,7 +183,7 @@
         <p:spPr>
           <a:xfrm>
             <a:off x="7227360" y="5165280"/>
-            <a:ext cx="2347560" cy="389880"/>
+            <a:ext cx="2346840" cy="389160"/>
           </a:xfrm>
           <a:prstGeom prst="rect">
             <a:avLst/>
@@ -226,7 +226,7 @@
                 <a:tab algn="l" pos="0"/>
               </a:tabLst>
             </a:pPr>
-            <a:fld id="{7B4F3EB7-0E97-42A4-ABAC-38E66D978CEB}" type="slidenum">
+            <a:fld id="{6F214639-8483-456F-BDF1-79E1F9868AA5}" type="slidenum">
               <a:rPr b="0" lang="ru-RU" sz="1400" strike="noStrike" u="none">
                 <a:solidFill>
                   <a:srgbClr val="000000"/>
@@ -261,7 +261,7 @@
         <p:spPr>
           <a:xfrm>
             <a:off x="504000" y="5165280"/>
-            <a:ext cx="2347560" cy="389880"/>
+            <a:ext cx="2346840" cy="389160"/>
           </a:xfrm>
           <a:prstGeom prst="rect">
             <a:avLst/>
@@ -339,7 +339,7 @@
         <p:spPr>
           <a:xfrm>
             <a:off x="504000" y="1326600"/>
-            <a:ext cx="9071640" cy="3288240"/>
+            <a:ext cx="9070920" cy="3287520"/>
           </a:xfrm>
           <a:prstGeom prst="rect">
             <a:avLst/>
@@ -635,7 +635,7 @@
         <p:spPr>
           <a:xfrm>
             <a:off x="3447360" y="5165280"/>
-            <a:ext cx="3194280" cy="389880"/>
+            <a:ext cx="3193560" cy="389160"/>
           </a:xfrm>
           <a:prstGeom prst="rect">
             <a:avLst/>
@@ -713,7 +713,7 @@
         <p:spPr>
           <a:xfrm>
             <a:off x="7227360" y="5165280"/>
-            <a:ext cx="2347560" cy="389880"/>
+            <a:ext cx="2346840" cy="389160"/>
           </a:xfrm>
           <a:prstGeom prst="rect">
             <a:avLst/>
@@ -756,7 +756,7 @@
                 <a:tab algn="l" pos="0"/>
               </a:tabLst>
             </a:pPr>
-            <a:fld id="{89551965-1CF8-4060-8195-3F0222C7E1DE}" type="slidenum">
+            <a:fld id="{ABA73B31-C974-4390-A8F5-8916AEF6906D}" type="slidenum">
               <a:rPr b="0" lang="ru-RU" sz="1400" strike="noStrike" u="none">
                 <a:solidFill>
                   <a:srgbClr val="000000"/>
@@ -791,7 +791,7 @@
         <p:spPr>
           <a:xfrm>
             <a:off x="504000" y="5165280"/>
-            <a:ext cx="2347560" cy="389880"/>
+            <a:ext cx="2346840" cy="389160"/>
           </a:xfrm>
           <a:prstGeom prst="rect">
             <a:avLst/>
@@ -869,7 +869,7 @@
         <p:spPr>
           <a:xfrm>
             <a:off x="504000" y="226080"/>
-            <a:ext cx="9071640" cy="946080"/>
+            <a:ext cx="9070920" cy="945360"/>
           </a:xfrm>
           <a:prstGeom prst="rect">
             <a:avLst/>
@@ -928,7 +928,7 @@
         <p:spPr>
           <a:xfrm>
             <a:off x="504000" y="1326600"/>
-            <a:ext cx="9071640" cy="3288240"/>
+            <a:ext cx="9070920" cy="3287520"/>
           </a:xfrm>
           <a:prstGeom prst="rect">
             <a:avLst/>
@@ -1247,7 +1247,7 @@
         <p:spPr>
           <a:xfrm>
             <a:off x="1839960" y="332640"/>
-            <a:ext cx="6399720" cy="5304960"/>
+            <a:ext cx="6399000" cy="5304240"/>
           </a:xfrm>
           <a:prstGeom prst="rect">
             <a:avLst/>
@@ -1663,7 +1663,7 @@
         <p:spPr>
           <a:xfrm>
             <a:off x="4410000" y="180000"/>
-            <a:ext cx="1259280" cy="1259280"/>
+            <a:ext cx="1258560" cy="1258560"/>
           </a:xfrm>
           <a:prstGeom prst="rect">
             <a:avLst/>
@@ -2600,8 +2600,8 @@
         </p:blipFill>
         <p:spPr>
           <a:xfrm>
-            <a:off x="4320000" y="1710000"/>
-            <a:ext cx="1561680" cy="2209320"/>
+            <a:off x="3184560" y="376560"/>
+            <a:ext cx="3832560" cy="4876560"/>
           </a:xfrm>
           <a:prstGeom prst="rect">
             <a:avLst/>
@@ -2654,8 +2654,8 @@
         </p:blipFill>
         <p:spPr>
           <a:xfrm>
-            <a:off x="2308320" y="117360"/>
-            <a:ext cx="5585040" cy="5394600"/>
+            <a:off x="2064240" y="-20520"/>
+            <a:ext cx="6072480" cy="5670000"/>
           </a:xfrm>
           <a:prstGeom prst="rect">
             <a:avLst/>
@@ -2708,8 +2708,8 @@
         </p:blipFill>
         <p:spPr>
           <a:xfrm>
-            <a:off x="4068360" y="151560"/>
-            <a:ext cx="2064600" cy="5326200"/>
+            <a:off x="4001760" y="-20520"/>
+            <a:ext cx="2197440" cy="5670000"/>
           </a:xfrm>
           <a:prstGeom prst="rect">
             <a:avLst/>
@@ -2762,8 +2762,8 @@
         </p:blipFill>
         <p:spPr>
           <a:xfrm>
-            <a:off x="3832200" y="-720"/>
-            <a:ext cx="2537280" cy="5630760"/>
+            <a:off x="3823560" y="-20520"/>
+            <a:ext cx="2554200" cy="5670000"/>
           </a:xfrm>
           <a:prstGeom prst="rect">
             <a:avLst/>
